--- a/Assignment_Template_coding.pptx
+++ b/Assignment_Template_coding.pptx
@@ -261,7 +261,7 @@
           <a:p>
             <a:fld id="{3F8A055A-57C6-4963-BB09-F83920236634}" type="datetimeFigureOut">
               <a:rPr lang="en-US" smtClean="0"/>
-              <a:t>8/30/2023</a:t>
+              <a:t>9/2/2023</a:t>
             </a:fld>
             <a:endParaRPr lang="en-US"/>
           </a:p>
@@ -438,7 +438,7 @@
           <a:p>
             <a:fld id="{84D85A48-4A8A-40A4-901B-7578A5319CBD}" type="datetimeFigureOut">
               <a:rPr lang="en-US" smtClean="0"/>
-              <a:t>8/30/2023</a:t>
+              <a:t>9/2/2023</a:t>
             </a:fld>
             <a:endParaRPr lang="en-US"/>
           </a:p>
@@ -1659,8 +1659,8 @@
         </p:nvSpPr>
         <p:spPr>
           <a:xfrm>
-            <a:off x="2848646" y="2850059"/>
-            <a:ext cx="2999988" cy="769441"/>
+            <a:off x="1932501" y="2850059"/>
+            <a:ext cx="4832285" cy="769441"/>
           </a:xfrm>
           <a:prstGeom prst="rect">
             <a:avLst/>
@@ -1676,8 +1676,13 @@
             <a:pPr algn="ctr"/>
             <a:r>
               <a:rPr lang="en-US" sz="4400" dirty="0"/>
-              <a:t>While Loops</a:t>
-            </a:r>
+              <a:t>Function </a:t>
+            </a:r>
+            <a:r>
+              <a:rPr lang="en-US" sz="4400" dirty="0" err="1"/>
+              <a:t>Argumnets</a:t>
+            </a:r>
+            <a:endParaRPr lang="en-US" sz="4400" dirty="0"/>
           </a:p>
         </p:txBody>
       </p:sp>
@@ -1711,9 +1716,10 @@
           <a:p>
             <a:pPr algn="ctr"/>
             <a:r>
-              <a:rPr lang="en-US" sz="2000" dirty="0"/>
-              <a:t>30.08.2023</a:t>
-            </a:r>
+              <a:rPr lang="en-US" sz="2000"/>
+              <a:t>02.09.2023</a:t>
+            </a:r>
+            <a:endParaRPr lang="en-US" sz="2000" dirty="0"/>
           </a:p>
         </p:txBody>
       </p:sp>

--- a/Assignment_Template_coding.pptx
+++ b/Assignment_Template_coding.pptx
@@ -261,7 +261,7 @@
           <a:p>
             <a:fld id="{3F8A055A-57C6-4963-BB09-F83920236634}" type="datetimeFigureOut">
               <a:rPr lang="en-US" smtClean="0"/>
-              <a:t>9/2/2023</a:t>
+              <a:t>9/16/2023</a:t>
             </a:fld>
             <a:endParaRPr lang="en-US"/>
           </a:p>
@@ -438,7 +438,7 @@
           <a:p>
             <a:fld id="{84D85A48-4A8A-40A4-901B-7578A5319CBD}" type="datetimeFigureOut">
               <a:rPr lang="en-US" smtClean="0"/>
-              <a:t>9/2/2023</a:t>
+              <a:t>9/16/2023</a:t>
             </a:fld>
             <a:endParaRPr lang="en-US"/>
           </a:p>
@@ -1640,7 +1640,7 @@
             <a:pPr algn="ctr"/>
             <a:r>
               <a:rPr lang="en-US" sz="2800" dirty="0"/>
-              <a:t>Assignment No. 10</a:t>
+              <a:t>Assignment No. 21</a:t>
             </a:r>
           </a:p>
         </p:txBody>
@@ -1659,8 +1659,8 @@
         </p:nvSpPr>
         <p:spPr>
           <a:xfrm>
-            <a:off x="1932501" y="2850059"/>
-            <a:ext cx="4832285" cy="769441"/>
+            <a:off x="2950093" y="2850059"/>
+            <a:ext cx="2797112" cy="769441"/>
           </a:xfrm>
           <a:prstGeom prst="rect">
             <a:avLst/>
@@ -1676,13 +1676,8 @@
             <a:pPr algn="ctr"/>
             <a:r>
               <a:rPr lang="en-US" sz="4400" dirty="0"/>
-              <a:t>Function </a:t>
+              <a:t>Inheritance</a:t>
             </a:r>
-            <a:r>
-              <a:rPr lang="en-US" sz="4400" dirty="0" err="1"/>
-              <a:t>Argumnets</a:t>
-            </a:r>
-            <a:endParaRPr lang="en-US" sz="4400" dirty="0"/>
           </a:p>
         </p:txBody>
       </p:sp>
@@ -1716,10 +1711,9 @@
           <a:p>
             <a:pPr algn="ctr"/>
             <a:r>
-              <a:rPr lang="en-US" sz="2000"/>
-              <a:t>02.09.2023</a:t>
+              <a:rPr lang="en-US" sz="2000" dirty="0"/>
+              <a:t>13.09.2023</a:t>
             </a:r>
-            <a:endParaRPr lang="en-US" sz="2000" dirty="0"/>
           </a:p>
         </p:txBody>
       </p:sp>
@@ -1884,7 +1878,7 @@
             </a:pPr>
             <a:r>
               <a:rPr lang="en-US" sz="2400" dirty="0"/>
-              <a:t> Write a program that prompts the user to guess a secret number between 1 and 100. The program should provide feedback if the guessed number is too high or too low, and it should terminate when the number is guessed</a:t>
+              <a:t>Write a module that contains a function to generate a random number between a given range. Import the module into another Python script and use the function to generate and print random numbers</a:t>
             </a:r>
           </a:p>
         </p:txBody>
@@ -2089,10 +2083,10 @@
       </p:sp>
       <p:pic>
         <p:nvPicPr>
-          <p:cNvPr id="5" name="Picture 4">
+          <p:cNvPr id="6" name="Picture 5">
             <a:extLst>
               <a:ext uri="{FF2B5EF4-FFF2-40B4-BE49-F238E27FC236}">
-                <a16:creationId xmlns:a16="http://schemas.microsoft.com/office/drawing/2014/main" id="{1EBA17DC-2FC8-8EAF-9C48-B031FB21E544}"/>
+                <a16:creationId xmlns:a16="http://schemas.microsoft.com/office/drawing/2014/main" id="{8C373DF9-8D61-7E48-44D2-A0AAD9B2A38E}"/>
               </a:ext>
             </a:extLst>
           </p:cNvPr>
@@ -2109,8 +2103,8 @@
         </p:blipFill>
         <p:spPr>
           <a:xfrm>
-            <a:off x="1014761" y="1757217"/>
-            <a:ext cx="7449015" cy="4126387"/>
+            <a:off x="776287" y="2009775"/>
+            <a:ext cx="7591425" cy="2838450"/>
           </a:xfrm>
           <a:prstGeom prst="rect">
             <a:avLst/>
@@ -2366,10 +2360,10 @@
       </p:sp>
       <p:pic>
         <p:nvPicPr>
-          <p:cNvPr id="5" name="Picture 4">
+          <p:cNvPr id="8" name="Picture 7">
             <a:extLst>
               <a:ext uri="{FF2B5EF4-FFF2-40B4-BE49-F238E27FC236}">
-                <a16:creationId xmlns:a16="http://schemas.microsoft.com/office/drawing/2014/main" id="{4E97A018-5DAE-8AF0-3EB5-5BF7DCBF4BB7}"/>
+                <a16:creationId xmlns:a16="http://schemas.microsoft.com/office/drawing/2014/main" id="{EF2B2C26-9DFF-62A0-5F6A-2C6E5814E7AC}"/>
               </a:ext>
             </a:extLst>
           </p:cNvPr>
@@ -2386,8 +2380,8 @@
         </p:blipFill>
         <p:spPr>
           <a:xfrm>
-            <a:off x="0" y="2183212"/>
-            <a:ext cx="9144000" cy="2491576"/>
+            <a:off x="833437" y="2557462"/>
+            <a:ext cx="7477125" cy="1743075"/>
           </a:xfrm>
           <a:prstGeom prst="rect">
             <a:avLst/>

--- a/Assignment_Template_coding.pptx
+++ b/Assignment_Template_coding.pptx
@@ -261,7 +261,7 @@
           <a:p>
             <a:fld id="{3F8A055A-57C6-4963-BB09-F83920236634}" type="datetimeFigureOut">
               <a:rPr lang="en-US" smtClean="0"/>
-              <a:t>9/16/2023</a:t>
+              <a:t>9/22/2023</a:t>
             </a:fld>
             <a:endParaRPr lang="en-US"/>
           </a:p>
@@ -438,7 +438,7 @@
           <a:p>
             <a:fld id="{84D85A48-4A8A-40A4-901B-7578A5319CBD}" type="datetimeFigureOut">
               <a:rPr lang="en-US" smtClean="0"/>
-              <a:t>9/16/2023</a:t>
+              <a:t>9/22/2023</a:t>
             </a:fld>
             <a:endParaRPr lang="en-US"/>
           </a:p>
@@ -1878,7 +1878,7 @@
             </a:pPr>
             <a:r>
               <a:rPr lang="en-US" sz="2400" dirty="0"/>
-              <a:t>Write a module that contains a function to generate a random number between a given range. Import the module into another Python script and use the function to generate and print random numbers</a:t>
+              <a:t>Write a program that uses Matplotlib library to plot a line graph showing the population growth of a country over a period of 10 years. Use appropriate labels, titles and axis ranges</a:t>
             </a:r>
           </a:p>
         </p:txBody>
@@ -2083,10 +2083,10 @@
       </p:sp>
       <p:pic>
         <p:nvPicPr>
-          <p:cNvPr id="6" name="Picture 5">
+          <p:cNvPr id="10" name="Picture 9">
             <a:extLst>
               <a:ext uri="{FF2B5EF4-FFF2-40B4-BE49-F238E27FC236}">
-                <a16:creationId xmlns:a16="http://schemas.microsoft.com/office/drawing/2014/main" id="{8C373DF9-8D61-7E48-44D2-A0AAD9B2A38E}"/>
+                <a16:creationId xmlns:a16="http://schemas.microsoft.com/office/drawing/2014/main" id="{8DC870FC-B28E-825C-82A6-D4C6524AD6A5}"/>
               </a:ext>
             </a:extLst>
           </p:cNvPr>
@@ -2103,8 +2103,8 @@
         </p:blipFill>
         <p:spPr>
           <a:xfrm>
-            <a:off x="776287" y="2009775"/>
-            <a:ext cx="7591425" cy="2838450"/>
+            <a:off x="1421001" y="2177220"/>
+            <a:ext cx="6301998" cy="3423480"/>
           </a:xfrm>
           <a:prstGeom prst="rect">
             <a:avLst/>
@@ -2360,10 +2360,10 @@
       </p:sp>
       <p:pic>
         <p:nvPicPr>
-          <p:cNvPr id="8" name="Picture 7">
+          <p:cNvPr id="10" name="Picture 9">
             <a:extLst>
               <a:ext uri="{FF2B5EF4-FFF2-40B4-BE49-F238E27FC236}">
-                <a16:creationId xmlns:a16="http://schemas.microsoft.com/office/drawing/2014/main" id="{EF2B2C26-9DFF-62A0-5F6A-2C6E5814E7AC}"/>
+                <a16:creationId xmlns:a16="http://schemas.microsoft.com/office/drawing/2014/main" id="{FC40740F-665B-D358-3050-EA2176E387DF}"/>
               </a:ext>
             </a:extLst>
           </p:cNvPr>
@@ -2380,8 +2380,8 @@
         </p:blipFill>
         <p:spPr>
           <a:xfrm>
-            <a:off x="833437" y="2557462"/>
-            <a:ext cx="7477125" cy="1743075"/>
+            <a:off x="2053407" y="1927513"/>
+            <a:ext cx="5026001" cy="4507154"/>
           </a:xfrm>
           <a:prstGeom prst="rect">
             <a:avLst/>
